--- a/UAVSAR LITE_Sprint2.pptx
+++ b/UAVSAR LITE_Sprint2.pptx
@@ -139,7 +139,7 @@
   </p:defaultTextStyle>
   <p:extLst>
     <p:ext uri="{EFAFB233-063F-42B5-8137-9DF3F51BA10A}">
-      <p15:sldGuideLst xmlns="" xmlns:p15="http://schemas.microsoft.com/office/powerpoint/2012/main"/>
+      <p15:sldGuideLst xmlns:p15="http://schemas.microsoft.com/office/powerpoint/2012/main" xmlns=""/>
     </p:ext>
   </p:extLst>
 </p:presentation>
@@ -374,7 +374,7 @@
           <a:p>
             <a:fld id="{1B35694F-4D0F-434D-B2B9-390E8EC1C760}" type="datetimeFigureOut">
               <a:rPr lang="en-US" smtClean="0"/>
-              <a:t>2/4/2021</a:t>
+              <a:t>4/18/2021</a:t>
             </a:fld>
             <a:endParaRPr lang="en-US"/>
           </a:p>
@@ -708,7 +708,7 @@
           <a:p>
             <a:fld id="{1B35694F-4D0F-434D-B2B9-390E8EC1C760}" type="datetimeFigureOut">
               <a:rPr lang="en-US" smtClean="0"/>
-              <a:t>2/4/2021</a:t>
+              <a:t>4/18/2021</a:t>
             </a:fld>
             <a:endParaRPr lang="en-US"/>
           </a:p>
@@ -986,7 +986,7 @@
           <a:p>
             <a:fld id="{1B35694F-4D0F-434D-B2B9-390E8EC1C760}" type="datetimeFigureOut">
               <a:rPr lang="en-US" smtClean="0"/>
-              <a:t>2/4/2021</a:t>
+              <a:t>4/18/2021</a:t>
             </a:fld>
             <a:endParaRPr lang="en-US"/>
           </a:p>
@@ -1554,7 +1554,7 @@
           <a:p>
             <a:fld id="{1B35694F-4D0F-434D-B2B9-390E8EC1C760}" type="datetimeFigureOut">
               <a:rPr lang="en-US" smtClean="0"/>
-              <a:t>2/4/2021</a:t>
+              <a:t>4/18/2021</a:t>
             </a:fld>
             <a:endParaRPr lang="en-US"/>
           </a:p>
@@ -1832,7 +1832,7 @@
           <a:p>
             <a:fld id="{1B35694F-4D0F-434D-B2B9-390E8EC1C760}" type="datetimeFigureOut">
               <a:rPr lang="en-US" smtClean="0"/>
-              <a:t>2/4/2021</a:t>
+              <a:t>4/18/2021</a:t>
             </a:fld>
             <a:endParaRPr lang="en-US"/>
           </a:p>
@@ -2394,7 +2394,7 @@
           <a:p>
             <a:fld id="{1B35694F-4D0F-434D-B2B9-390E8EC1C760}" type="datetimeFigureOut">
               <a:rPr lang="en-US" smtClean="0"/>
-              <a:t>2/4/2021</a:t>
+              <a:t>4/18/2021</a:t>
             </a:fld>
             <a:endParaRPr lang="en-US"/>
           </a:p>
@@ -2721,7 +2721,7 @@
           <a:p>
             <a:fld id="{1B35694F-4D0F-434D-B2B9-390E8EC1C760}" type="datetimeFigureOut">
               <a:rPr lang="en-US" smtClean="0"/>
-              <a:t>2/4/2021</a:t>
+              <a:t>4/18/2021</a:t>
             </a:fld>
             <a:endParaRPr lang="en-US"/>
           </a:p>
@@ -2898,7 +2898,7 @@
           <a:p>
             <a:fld id="{1B35694F-4D0F-434D-B2B9-390E8EC1C760}" type="datetimeFigureOut">
               <a:rPr lang="en-US" smtClean="0"/>
-              <a:t>2/4/2021</a:t>
+              <a:t>4/18/2021</a:t>
             </a:fld>
             <a:endParaRPr lang="en-US"/>
           </a:p>
@@ -3136,7 +3136,7 @@
           <a:p>
             <a:fld id="{1B35694F-4D0F-434D-B2B9-390E8EC1C760}" type="datetimeFigureOut">
               <a:rPr lang="en-US" smtClean="0"/>
-              <a:t>2/4/2021</a:t>
+              <a:t>4/18/2021</a:t>
             </a:fld>
             <a:endParaRPr lang="en-US"/>
           </a:p>
@@ -3336,7 +3336,7 @@
           <a:p>
             <a:fld id="{1B35694F-4D0F-434D-B2B9-390E8EC1C760}" type="datetimeFigureOut">
               <a:rPr lang="en-US" smtClean="0"/>
-              <a:t>2/4/2021</a:t>
+              <a:t>4/18/2021</a:t>
             </a:fld>
             <a:endParaRPr lang="en-US"/>
           </a:p>
@@ -3612,7 +3612,7 @@
           <a:p>
             <a:fld id="{1B35694F-4D0F-434D-B2B9-390E8EC1C760}" type="datetimeFigureOut">
               <a:rPr lang="en-US" smtClean="0"/>
-              <a:t>2/4/2021</a:t>
+              <a:t>4/18/2021</a:t>
             </a:fld>
             <a:endParaRPr lang="en-US"/>
           </a:p>
@@ -3878,7 +3878,7 @@
           <a:p>
             <a:fld id="{1B35694F-4D0F-434D-B2B9-390E8EC1C760}" type="datetimeFigureOut">
               <a:rPr lang="en-US" smtClean="0"/>
-              <a:t>2/4/2021</a:t>
+              <a:t>4/18/2021</a:t>
             </a:fld>
             <a:endParaRPr lang="en-US"/>
           </a:p>
@@ -4252,7 +4252,7 @@
           <a:p>
             <a:fld id="{1B35694F-4D0F-434D-B2B9-390E8EC1C760}" type="datetimeFigureOut">
               <a:rPr lang="en-US" smtClean="0"/>
-              <a:t>2/4/2021</a:t>
+              <a:t>4/18/2021</a:t>
             </a:fld>
             <a:endParaRPr lang="en-US"/>
           </a:p>
@@ -4400,7 +4400,7 @@
           <a:p>
             <a:fld id="{1B35694F-4D0F-434D-B2B9-390E8EC1C760}" type="datetimeFigureOut">
               <a:rPr lang="en-US" smtClean="0"/>
-              <a:t>2/4/2021</a:t>
+              <a:t>4/18/2021</a:t>
             </a:fld>
             <a:endParaRPr lang="en-US"/>
           </a:p>
@@ -4525,7 +4525,7 @@
           <a:p>
             <a:fld id="{1B35694F-4D0F-434D-B2B9-390E8EC1C760}" type="datetimeFigureOut">
               <a:rPr lang="en-US" smtClean="0"/>
-              <a:t>2/4/2021</a:t>
+              <a:t>4/18/2021</a:t>
             </a:fld>
             <a:endParaRPr lang="en-US"/>
           </a:p>
@@ -4810,7 +4810,7 @@
           <a:p>
             <a:fld id="{1B35694F-4D0F-434D-B2B9-390E8EC1C760}" type="datetimeFigureOut">
               <a:rPr lang="en-US" smtClean="0"/>
-              <a:t>2/4/2021</a:t>
+              <a:t>4/18/2021</a:t>
             </a:fld>
             <a:endParaRPr lang="en-US"/>
           </a:p>
@@ -5134,7 +5134,7 @@
           <a:p>
             <a:fld id="{1B35694F-4D0F-434D-B2B9-390E8EC1C760}" type="datetimeFigureOut">
               <a:rPr lang="en-US" smtClean="0"/>
-              <a:t>2/4/2021</a:t>
+              <a:t>4/18/2021</a:t>
             </a:fld>
             <a:endParaRPr lang="en-US"/>
           </a:p>
@@ -5348,7 +5348,7 @@
           <a:p>
             <a:fld id="{1B35694F-4D0F-434D-B2B9-390E8EC1C760}" type="datetimeFigureOut">
               <a:rPr lang="en-US" smtClean="0"/>
-              <a:t>2/4/2021</a:t>
+              <a:t>4/18/2021</a:t>
             </a:fld>
             <a:endParaRPr lang="en-US"/>
           </a:p>
@@ -9392,7 +9392,11 @@
             <a:pPr lvl="1"/>
             <a:r>
               <a:rPr lang="en-US" dirty="0" smtClean="0"/>
-              <a:t> Design the embedded software</a:t>
+              <a:t>Design </a:t>
+            </a:r>
+            <a:r>
+              <a:rPr lang="en-US" dirty="0" smtClean="0"/>
+              <a:t>the embedded software</a:t>
             </a:r>
           </a:p>
           <a:p>
@@ -20361,7 +20365,7 @@
     </a:clrScheme>
     <a:fontScheme name="Celestial">
       <a:majorFont>
-        <a:latin typeface="Calibri Light" panose="020F0302020204030204"/>
+        <a:latin typeface="Calibri Light"/>
         <a:ea typeface=""/>
         <a:cs typeface=""/>
         <a:font script="Jpan" typeface="ＭＳ Ｐゴシック"/>
@@ -20396,7 +20400,7 @@
         <a:font script="Geor" typeface="Sylfaen"/>
       </a:majorFont>
       <a:minorFont>
-        <a:latin typeface="Calibri" panose="020F0502020204030204"/>
+        <a:latin typeface="Calibri"/>
         <a:ea typeface=""/>
         <a:cs typeface=""/>
         <a:font script="Jpan" typeface="ＭＳ Ｐゴシック"/>
@@ -20561,7 +20565,7 @@
   <a:extraClrSchemeLst/>
   <a:extLst>
     <a:ext uri="{05A4C25C-085E-4340-85A3-A5531E510DB2}">
-      <thm15:themeFamily xmlns="" xmlns:thm15="http://schemas.microsoft.com/office/thememl/2012/main" name="Celestial" id="{C4BB2A3D-0E93-4C5F-B0D2-9D3FCE089CC5}" vid="{42E5908D-19A2-46FD-89FA-638B126129EF}"/>
+      <thm15:themeFamily xmlns:thm15="http://schemas.microsoft.com/office/thememl/2012/main" xmlns="" name="Celestial" id="{C4BB2A3D-0E93-4C5F-B0D2-9D3FCE089CC5}" vid="{42E5908D-19A2-46FD-89FA-638B126129EF}"/>
     </a:ext>
   </a:extLst>
 </a:theme>
